--- a/Affiche/AfficheRetropie.pptx
+++ b/Affiche/AfficheRetropie.pptx
@@ -206,7 +206,7 @@
           <a:p>
             <a:fld id="{CDF7AF62-86D8-402D-B735-90423DD750BA}" type="datetimeFigureOut">
               <a:rPr lang="nl-BE" smtClean="0"/>
-              <a:t>13/02/2024</a:t>
+              <a:t>14/02/2024</a:t>
             </a:fld>
             <a:endParaRPr lang="nl-BE"/>
           </a:p>
@@ -1036,7 +1036,7 @@
         </p:spPr>
         <p:txBody>
           <a:bodyPr>
-            <a:normAutofit/>
+            <a:normAutofit fontScale="90000"/>
           </a:bodyPr>
           <a:lstStyle/>
           <a:p>
@@ -1245,7 +1245,60 @@
                   </a:schemeClr>
                 </a:solidFill>
               </a:rPr>
-              <a:t>Daarnaast zal deze werken op batterijen dus zal je overal en wanneer je wil kunnen gamen</a:t>
+              <a:t>Daarnaast zal deze werken op batterijen dus zal je overal en wanneer je wil kunnen gamen.</a:t>
+            </a:r>
+            <a:br>
+              <a:rPr lang="nl-BE" sz="4000" dirty="0">
+                <a:solidFill>
+                  <a:schemeClr val="accent6">
+                    <a:lumMod val="60000"/>
+                    <a:lumOff val="40000"/>
+                  </a:schemeClr>
+                </a:solidFill>
+              </a:rPr>
+            </a:br>
+            <a:br>
+              <a:rPr lang="nl-BE" sz="4000" dirty="0">
+                <a:solidFill>
+                  <a:schemeClr val="accent6">
+                    <a:lumMod val="60000"/>
+                    <a:lumOff val="40000"/>
+                  </a:schemeClr>
+                </a:solidFill>
+              </a:rPr>
+            </a:br>
+            <a:r>
+              <a:rPr lang="nl-BE" sz="4000" dirty="0">
+                <a:solidFill>
+                  <a:schemeClr val="accent6">
+                    <a:lumMod val="60000"/>
+                    <a:lumOff val="40000"/>
+                  </a:schemeClr>
+                </a:solidFill>
+              </a:rPr>
+              <a:t>De </a:t>
+            </a:r>
+            <a:r>
+              <a:rPr lang="nl-BE" sz="4000" dirty="0" err="1">
+                <a:solidFill>
+                  <a:schemeClr val="accent6">
+                    <a:lumMod val="60000"/>
+                    <a:lumOff val="40000"/>
+                  </a:schemeClr>
+                </a:solidFill>
+              </a:rPr>
+              <a:t>retropie</a:t>
+            </a:r>
+            <a:r>
+              <a:rPr lang="nl-BE" sz="4000" dirty="0">
+                <a:solidFill>
+                  <a:schemeClr val="accent6">
+                    <a:lumMod val="60000"/>
+                    <a:lumOff val="40000"/>
+                  </a:schemeClr>
+                </a:solidFill>
+              </a:rPr>
+              <a:t> heeft natuurlijk een klein formaat dus zal hiervoor een PCB ontworpen worden om alles in console te krijgen</a:t>
             </a:r>
             <a:br>
               <a:rPr lang="nl-BE" sz="3000" dirty="0">
@@ -1688,8 +1741,8 @@
         </p:nvSpPr>
         <p:spPr>
           <a:xfrm>
-            <a:off x="15408275" y="26469474"/>
-            <a:ext cx="6729830" cy="10825299"/>
+            <a:off x="15704558" y="25915048"/>
+            <a:ext cx="13771798" cy="6052686"/>
           </a:xfrm>
           <a:prstGeom prst="rect">
             <a:avLst/>
@@ -1750,8 +1803,8 @@
         </p:nvSpPr>
         <p:spPr>
           <a:xfrm>
-            <a:off x="22762382" y="26469473"/>
-            <a:ext cx="6729830" cy="10825299"/>
+            <a:off x="17637050" y="32164688"/>
+            <a:ext cx="9906814" cy="5112851"/>
           </a:xfrm>
           <a:prstGeom prst="rect">
             <a:avLst/>
@@ -2285,8 +2338,8 @@
         </p:blipFill>
         <p:spPr>
           <a:xfrm>
-            <a:off x="3808133" y="30306960"/>
-            <a:ext cx="7430913" cy="3715457"/>
+            <a:off x="4299290" y="31330651"/>
+            <a:ext cx="6288213" cy="3144107"/>
           </a:xfrm>
           <a:prstGeom prst="rect">
             <a:avLst/>
@@ -2833,14 +2886,12 @@
 </file>
 
 <file path=customXml/item1.xml><?xml version="1.0" encoding="utf-8"?>
-<p:properties xmlns:p="http://schemas.microsoft.com/office/2006/metadata/properties" xmlns:xsi="http://www.w3.org/2001/XMLSchema-instance" xmlns:pc="http://schemas.microsoft.com/office/infopath/2007/PartnerControls">
-  <documentManagement>
-    <TaxCatchAll xmlns="f921bb7d-4033-42bd-968a-881fd459c073" xsi:nil="true"/>
-    <lcf76f155ced4ddcb4097134ff3c332f xmlns="7af3f08f-6b65-4c98-b033-853692dc00be">
-      <Terms xmlns="http://schemas.microsoft.com/office/infopath/2007/PartnerControls"/>
-    </lcf76f155ced4ddcb4097134ff3c332f>
-  </documentManagement>
-</p:properties>
+<?mso-contentType ?>
+<FormTemplates xmlns="http://schemas.microsoft.com/sharepoint/v3/contenttype/forms">
+  <Display>DocumentLibraryForm</Display>
+  <Edit>DocumentLibraryForm</Edit>
+  <New>DocumentLibraryForm</New>
+</FormTemplates>
 </file>
 
 <file path=customXml/item2.xml><?xml version="1.0" encoding="utf-8"?>
@@ -3051,27 +3102,20 @@
 </file>
 
 <file path=customXml/item3.xml><?xml version="1.0" encoding="utf-8"?>
-<?mso-contentType ?>
-<FormTemplates xmlns="http://schemas.microsoft.com/sharepoint/v3/contenttype/forms">
-  <Display>DocumentLibraryForm</Display>
-  <Edit>DocumentLibraryForm</Edit>
-  <New>DocumentLibraryForm</New>
-</FormTemplates>
+<p:properties xmlns:p="http://schemas.microsoft.com/office/2006/metadata/properties" xmlns:xsi="http://www.w3.org/2001/XMLSchema-instance" xmlns:pc="http://schemas.microsoft.com/office/infopath/2007/PartnerControls">
+  <documentManagement>
+    <TaxCatchAll xmlns="f921bb7d-4033-42bd-968a-881fd459c073" xsi:nil="true"/>
+    <lcf76f155ced4ddcb4097134ff3c332f xmlns="7af3f08f-6b65-4c98-b033-853692dc00be">
+      <Terms xmlns="http://schemas.microsoft.com/office/infopath/2007/PartnerControls"/>
+    </lcf76f155ced4ddcb4097134ff3c332f>
+  </documentManagement>
+</p:properties>
 </file>
 
 <file path=customXml/itemProps1.xml><?xml version="1.0" encoding="utf-8"?>
-<ds:datastoreItem xmlns:ds="http://schemas.openxmlformats.org/officeDocument/2006/customXml" ds:itemID="{B247EB90-66CA-4409-98FF-5024AA619E64}">
+<ds:datastoreItem xmlns:ds="http://schemas.openxmlformats.org/officeDocument/2006/customXml" ds:itemID="{E1FA04DA-A2C1-4A00-9FA4-1F6991DECE56}">
   <ds:schemaRefs>
-    <ds:schemaRef ds:uri="7af3f08f-6b65-4c98-b033-853692dc00be"/>
-    <ds:schemaRef ds:uri="f921bb7d-4033-42bd-968a-881fd459c073"/>
-    <ds:schemaRef ds:uri="http://purl.org/dc/dcmitype/"/>
-    <ds:schemaRef ds:uri="http://purl.org/dc/elements/1.1/"/>
-    <ds:schemaRef ds:uri="http://purl.org/dc/terms/"/>
-    <ds:schemaRef ds:uri="http://schemas.microsoft.com/office/2006/documentManagement/types"/>
-    <ds:schemaRef ds:uri="http://schemas.microsoft.com/office/2006/metadata/properties"/>
-    <ds:schemaRef ds:uri="http://schemas.microsoft.com/office/infopath/2007/PartnerControls"/>
-    <ds:schemaRef ds:uri="http://schemas.openxmlformats.org/package/2006/metadata/core-properties"/>
-    <ds:schemaRef ds:uri="http://www.w3.org/XML/1998/namespace"/>
+    <ds:schemaRef ds:uri="http://schemas.microsoft.com/sharepoint/v3/contenttype/forms"/>
   </ds:schemaRefs>
 </ds:datastoreItem>
 </file>
@@ -3096,9 +3140,18 @@
 </file>
 
 <file path=customXml/itemProps3.xml><?xml version="1.0" encoding="utf-8"?>
-<ds:datastoreItem xmlns:ds="http://schemas.openxmlformats.org/officeDocument/2006/customXml" ds:itemID="{E1FA04DA-A2C1-4A00-9FA4-1F6991DECE56}">
+<ds:datastoreItem xmlns:ds="http://schemas.openxmlformats.org/officeDocument/2006/customXml" ds:itemID="{B247EB90-66CA-4409-98FF-5024AA619E64}">
   <ds:schemaRefs>
-    <ds:schemaRef ds:uri="http://schemas.microsoft.com/sharepoint/v3/contenttype/forms"/>
+    <ds:schemaRef ds:uri="7af3f08f-6b65-4c98-b033-853692dc00be"/>
+    <ds:schemaRef ds:uri="f921bb7d-4033-42bd-968a-881fd459c073"/>
+    <ds:schemaRef ds:uri="http://purl.org/dc/dcmitype/"/>
+    <ds:schemaRef ds:uri="http://purl.org/dc/elements/1.1/"/>
+    <ds:schemaRef ds:uri="http://purl.org/dc/terms/"/>
+    <ds:schemaRef ds:uri="http://schemas.microsoft.com/office/2006/documentManagement/types"/>
+    <ds:schemaRef ds:uri="http://schemas.microsoft.com/office/2006/metadata/properties"/>
+    <ds:schemaRef ds:uri="http://schemas.microsoft.com/office/infopath/2007/PartnerControls"/>
+    <ds:schemaRef ds:uri="http://schemas.openxmlformats.org/package/2006/metadata/core-properties"/>
+    <ds:schemaRef ds:uri="http://www.w3.org/XML/1998/namespace"/>
   </ds:schemaRefs>
 </ds:datastoreItem>
 </file>
--- a/Affiche/AfficheRetropie.pptx
+++ b/Affiche/AfficheRetropie.pptx
@@ -206,7 +206,7 @@
           <a:p>
             <a:fld id="{CDF7AF62-86D8-402D-B735-90423DD750BA}" type="datetimeFigureOut">
               <a:rPr lang="nl-BE" smtClean="0"/>
-              <a:t>14/02/2024</a:t>
+              <a:t>19/02/2024</a:t>
             </a:fld>
             <a:endParaRPr lang="nl-BE"/>
           </a:p>
@@ -1298,7 +1298,29 @@
                   </a:schemeClr>
                 </a:solidFill>
               </a:rPr>
-              <a:t> heeft natuurlijk een klein formaat dus zal hiervoor een PCB ontworpen worden om alles in console te krijgen</a:t>
+              <a:t> heeft natuurlijk een klein formaat dus zal hiervoor een PCB ontworpen worden om </a:t>
+            </a:r>
+            <a:r>
+              <a:rPr lang="nl-BE" sz="4000">
+                <a:solidFill>
+                  <a:schemeClr val="accent6">
+                    <a:lumMod val="60000"/>
+                    <a:lumOff val="40000"/>
+                  </a:schemeClr>
+                </a:solidFill>
+              </a:rPr>
+              <a:t>alles in de </a:t>
+            </a:r>
+            <a:r>
+              <a:rPr lang="nl-BE" sz="4000" dirty="0">
+                <a:solidFill>
+                  <a:schemeClr val="accent6">
+                    <a:lumMod val="60000"/>
+                    <a:lumOff val="40000"/>
+                  </a:schemeClr>
+                </a:solidFill>
+              </a:rPr>
+              <a:t>console te krijgen</a:t>
             </a:r>
             <a:br>
               <a:rPr lang="nl-BE" sz="3000" dirty="0">
@@ -2886,12 +2908,14 @@
 </file>
 
 <file path=customXml/item1.xml><?xml version="1.0" encoding="utf-8"?>
-<?mso-contentType ?>
-<FormTemplates xmlns="http://schemas.microsoft.com/sharepoint/v3/contenttype/forms">
-  <Display>DocumentLibraryForm</Display>
-  <Edit>DocumentLibraryForm</Edit>
-  <New>DocumentLibraryForm</New>
-</FormTemplates>
+<p:properties xmlns:p="http://schemas.microsoft.com/office/2006/metadata/properties" xmlns:xsi="http://www.w3.org/2001/XMLSchema-instance" xmlns:pc="http://schemas.microsoft.com/office/infopath/2007/PartnerControls">
+  <documentManagement>
+    <TaxCatchAll xmlns="f921bb7d-4033-42bd-968a-881fd459c073" xsi:nil="true"/>
+    <lcf76f155ced4ddcb4097134ff3c332f xmlns="7af3f08f-6b65-4c98-b033-853692dc00be">
+      <Terms xmlns="http://schemas.microsoft.com/office/infopath/2007/PartnerControls"/>
+    </lcf76f155ced4ddcb4097134ff3c332f>
+  </documentManagement>
+</p:properties>
 </file>
 
 <file path=customXml/item2.xml><?xml version="1.0" encoding="utf-8"?>
@@ -3102,20 +3126,27 @@
 </file>
 
 <file path=customXml/item3.xml><?xml version="1.0" encoding="utf-8"?>
-<p:properties xmlns:p="http://schemas.microsoft.com/office/2006/metadata/properties" xmlns:xsi="http://www.w3.org/2001/XMLSchema-instance" xmlns:pc="http://schemas.microsoft.com/office/infopath/2007/PartnerControls">
-  <documentManagement>
-    <TaxCatchAll xmlns="f921bb7d-4033-42bd-968a-881fd459c073" xsi:nil="true"/>
-    <lcf76f155ced4ddcb4097134ff3c332f xmlns="7af3f08f-6b65-4c98-b033-853692dc00be">
-      <Terms xmlns="http://schemas.microsoft.com/office/infopath/2007/PartnerControls"/>
-    </lcf76f155ced4ddcb4097134ff3c332f>
-  </documentManagement>
-</p:properties>
+<?mso-contentType ?>
+<FormTemplates xmlns="http://schemas.microsoft.com/sharepoint/v3/contenttype/forms">
+  <Display>DocumentLibraryForm</Display>
+  <Edit>DocumentLibraryForm</Edit>
+  <New>DocumentLibraryForm</New>
+</FormTemplates>
 </file>
 
 <file path=customXml/itemProps1.xml><?xml version="1.0" encoding="utf-8"?>
-<ds:datastoreItem xmlns:ds="http://schemas.openxmlformats.org/officeDocument/2006/customXml" ds:itemID="{E1FA04DA-A2C1-4A00-9FA4-1F6991DECE56}">
+<ds:datastoreItem xmlns:ds="http://schemas.openxmlformats.org/officeDocument/2006/customXml" ds:itemID="{B247EB90-66CA-4409-98FF-5024AA619E64}">
   <ds:schemaRefs>
-    <ds:schemaRef ds:uri="http://schemas.microsoft.com/sharepoint/v3/contenttype/forms"/>
+    <ds:schemaRef ds:uri="7af3f08f-6b65-4c98-b033-853692dc00be"/>
+    <ds:schemaRef ds:uri="f921bb7d-4033-42bd-968a-881fd459c073"/>
+    <ds:schemaRef ds:uri="http://purl.org/dc/dcmitype/"/>
+    <ds:schemaRef ds:uri="http://purl.org/dc/elements/1.1/"/>
+    <ds:schemaRef ds:uri="http://purl.org/dc/terms/"/>
+    <ds:schemaRef ds:uri="http://schemas.microsoft.com/office/2006/documentManagement/types"/>
+    <ds:schemaRef ds:uri="http://schemas.microsoft.com/office/2006/metadata/properties"/>
+    <ds:schemaRef ds:uri="http://schemas.microsoft.com/office/infopath/2007/PartnerControls"/>
+    <ds:schemaRef ds:uri="http://schemas.openxmlformats.org/package/2006/metadata/core-properties"/>
+    <ds:schemaRef ds:uri="http://www.w3.org/XML/1998/namespace"/>
   </ds:schemaRefs>
 </ds:datastoreItem>
 </file>
@@ -3140,18 +3171,9 @@
 </file>
 
 <file path=customXml/itemProps3.xml><?xml version="1.0" encoding="utf-8"?>
-<ds:datastoreItem xmlns:ds="http://schemas.openxmlformats.org/officeDocument/2006/customXml" ds:itemID="{B247EB90-66CA-4409-98FF-5024AA619E64}">
+<ds:datastoreItem xmlns:ds="http://schemas.openxmlformats.org/officeDocument/2006/customXml" ds:itemID="{E1FA04DA-A2C1-4A00-9FA4-1F6991DECE56}">
   <ds:schemaRefs>
-    <ds:schemaRef ds:uri="7af3f08f-6b65-4c98-b033-853692dc00be"/>
-    <ds:schemaRef ds:uri="f921bb7d-4033-42bd-968a-881fd459c073"/>
-    <ds:schemaRef ds:uri="http://purl.org/dc/dcmitype/"/>
-    <ds:schemaRef ds:uri="http://purl.org/dc/elements/1.1/"/>
-    <ds:schemaRef ds:uri="http://purl.org/dc/terms/"/>
-    <ds:schemaRef ds:uri="http://schemas.microsoft.com/office/2006/documentManagement/types"/>
-    <ds:schemaRef ds:uri="http://schemas.microsoft.com/office/2006/metadata/properties"/>
-    <ds:schemaRef ds:uri="http://schemas.microsoft.com/office/infopath/2007/PartnerControls"/>
-    <ds:schemaRef ds:uri="http://schemas.openxmlformats.org/package/2006/metadata/core-properties"/>
-    <ds:schemaRef ds:uri="http://www.w3.org/XML/1998/namespace"/>
+    <ds:schemaRef ds:uri="http://schemas.microsoft.com/sharepoint/v3/contenttype/forms"/>
   </ds:schemaRefs>
 </ds:datastoreItem>
 </file>